--- a/source/math_linreg2/presentation.pptx
+++ b/source/math_linreg2/presentation.pptx
@@ -7,6 +7,7 @@
   <p:sldIdLst>
     <p:sldId id="256" r:id="rId2"/>
     <p:sldId id="257" r:id="rId3"/>
+    <p:sldId id="258" r:id="rId4"/>
   </p:sldIdLst>
   <p:sldSz cx="12192000" cy="6858000"/>
   <p:notesSz cx="6858000" cy="9144000"/>
@@ -244,7 +245,7 @@
           <a:p>
             <a:fld id="{392C9B3B-BE4C-4AF9-88E6-3D240774DD5C}" type="datetimeFigureOut">
               <a:rPr lang="pl-PL" smtClean="0"/>
-              <a:t>2020-06-12</a:t>
+              <a:t>2020-06-19</a:t>
             </a:fld>
             <a:endParaRPr lang="pl-PL"/>
           </a:p>
@@ -414,7 +415,7 @@
           <a:p>
             <a:fld id="{392C9B3B-BE4C-4AF9-88E6-3D240774DD5C}" type="datetimeFigureOut">
               <a:rPr lang="pl-PL" smtClean="0"/>
-              <a:t>2020-06-12</a:t>
+              <a:t>2020-06-19</a:t>
             </a:fld>
             <a:endParaRPr lang="pl-PL"/>
           </a:p>
@@ -594,7 +595,7 @@
           <a:p>
             <a:fld id="{392C9B3B-BE4C-4AF9-88E6-3D240774DD5C}" type="datetimeFigureOut">
               <a:rPr lang="pl-PL" smtClean="0"/>
-              <a:t>2020-06-12</a:t>
+              <a:t>2020-06-19</a:t>
             </a:fld>
             <a:endParaRPr lang="pl-PL"/>
           </a:p>
@@ -764,7 +765,7 @@
           <a:p>
             <a:fld id="{392C9B3B-BE4C-4AF9-88E6-3D240774DD5C}" type="datetimeFigureOut">
               <a:rPr lang="pl-PL" smtClean="0"/>
-              <a:t>2020-06-12</a:t>
+              <a:t>2020-06-19</a:t>
             </a:fld>
             <a:endParaRPr lang="pl-PL"/>
           </a:p>
@@ -1010,7 +1011,7 @@
           <a:p>
             <a:fld id="{392C9B3B-BE4C-4AF9-88E6-3D240774DD5C}" type="datetimeFigureOut">
               <a:rPr lang="pl-PL" smtClean="0"/>
-              <a:t>2020-06-12</a:t>
+              <a:t>2020-06-19</a:t>
             </a:fld>
             <a:endParaRPr lang="pl-PL"/>
           </a:p>
@@ -1242,7 +1243,7 @@
           <a:p>
             <a:fld id="{392C9B3B-BE4C-4AF9-88E6-3D240774DD5C}" type="datetimeFigureOut">
               <a:rPr lang="pl-PL" smtClean="0"/>
-              <a:t>2020-06-12</a:t>
+              <a:t>2020-06-19</a:t>
             </a:fld>
             <a:endParaRPr lang="pl-PL"/>
           </a:p>
@@ -1609,7 +1610,7 @@
           <a:p>
             <a:fld id="{392C9B3B-BE4C-4AF9-88E6-3D240774DD5C}" type="datetimeFigureOut">
               <a:rPr lang="pl-PL" smtClean="0"/>
-              <a:t>2020-06-12</a:t>
+              <a:t>2020-06-19</a:t>
             </a:fld>
             <a:endParaRPr lang="pl-PL"/>
           </a:p>
@@ -1727,7 +1728,7 @@
           <a:p>
             <a:fld id="{392C9B3B-BE4C-4AF9-88E6-3D240774DD5C}" type="datetimeFigureOut">
               <a:rPr lang="pl-PL" smtClean="0"/>
-              <a:t>2020-06-12</a:t>
+              <a:t>2020-06-19</a:t>
             </a:fld>
             <a:endParaRPr lang="pl-PL"/>
           </a:p>
@@ -1822,7 +1823,7 @@
           <a:p>
             <a:fld id="{392C9B3B-BE4C-4AF9-88E6-3D240774DD5C}" type="datetimeFigureOut">
               <a:rPr lang="pl-PL" smtClean="0"/>
-              <a:t>2020-06-12</a:t>
+              <a:t>2020-06-19</a:t>
             </a:fld>
             <a:endParaRPr lang="pl-PL"/>
           </a:p>
@@ -2099,7 +2100,7 @@
           <a:p>
             <a:fld id="{392C9B3B-BE4C-4AF9-88E6-3D240774DD5C}" type="datetimeFigureOut">
               <a:rPr lang="pl-PL" smtClean="0"/>
-              <a:t>2020-06-12</a:t>
+              <a:t>2020-06-19</a:t>
             </a:fld>
             <a:endParaRPr lang="pl-PL"/>
           </a:p>
@@ -2352,7 +2353,7 @@
           <a:p>
             <a:fld id="{392C9B3B-BE4C-4AF9-88E6-3D240774DD5C}" type="datetimeFigureOut">
               <a:rPr lang="pl-PL" smtClean="0"/>
-              <a:t>2020-06-12</a:t>
+              <a:t>2020-06-19</a:t>
             </a:fld>
             <a:endParaRPr lang="pl-PL"/>
           </a:p>
@@ -2565,7 +2566,7 @@
           <a:p>
             <a:fld id="{392C9B3B-BE4C-4AF9-88E6-3D240774DD5C}" type="datetimeFigureOut">
               <a:rPr lang="pl-PL" smtClean="0"/>
-              <a:t>2020-06-12</a:t>
+              <a:t>2020-06-19</a:t>
             </a:fld>
             <a:endParaRPr lang="pl-PL"/>
           </a:p>
@@ -3316,6 +3317,218 @@
 </p:sld>
 </file>
 
+<file path=ppt/slides/slide3.xml><?xml version="1.0" encoding="utf-8"?>
+<p:sld xmlns:a="http://schemas.openxmlformats.org/drawingml/2006/main" xmlns:r="http://schemas.openxmlformats.org/officeDocument/2006/relationships" xmlns:p="http://schemas.openxmlformats.org/presentationml/2006/main">
+  <p:cSld>
+    <p:spTree>
+      <p:nvGrpSpPr>
+        <p:cNvPr id="1" name=""/>
+        <p:cNvGrpSpPr/>
+        <p:nvPr/>
+      </p:nvGrpSpPr>
+      <p:grpSpPr>
+        <a:xfrm>
+          <a:off x="0" y="0"/>
+          <a:ext cx="0" cy="0"/>
+          <a:chOff x="0" y="0"/>
+          <a:chExt cx="0" cy="0"/>
+        </a:xfrm>
+      </p:grpSpPr>
+      <p:sp>
+        <p:nvSpPr>
+          <p:cNvPr id="2" name="Title 1"/>
+          <p:cNvSpPr>
+            <a:spLocks noGrp="1"/>
+          </p:cNvSpPr>
+          <p:nvPr>
+            <p:ph type="title"/>
+          </p:nvPr>
+        </p:nvSpPr>
+        <p:spPr/>
+        <p:txBody>
+          <a:bodyPr/>
+          <a:lstStyle/>
+          <a:p>
+            <a:r>
+              <a:rPr lang="pl-PL" dirty="0" smtClean="0"/>
+              <a:t>P value - znaczenie</a:t>
+            </a:r>
+            <a:endParaRPr lang="pl-PL" dirty="0"/>
+          </a:p>
+        </p:txBody>
+      </p:sp>
+      <p:sp>
+        <p:nvSpPr>
+          <p:cNvPr id="3" name="Content Placeholder 2"/>
+          <p:cNvSpPr>
+            <a:spLocks noGrp="1"/>
+          </p:cNvSpPr>
+          <p:nvPr>
+            <p:ph idx="1"/>
+          </p:nvPr>
+        </p:nvSpPr>
+        <p:spPr/>
+        <p:txBody>
+          <a:bodyPr>
+            <a:normAutofit/>
+          </a:bodyPr>
+          <a:lstStyle/>
+          <a:p>
+            <a:pPr marL="0" indent="0">
+              <a:buNone/>
+            </a:pPr>
+            <a:r>
+              <a:rPr lang="pl-PL" sz="1800" dirty="0" smtClean="0"/>
+              <a:t>Wylosowałeś do swojego modelowania jakąś próbkę. Nie wiesz, czy ta próbka jest reprezentatywna, czy raczej skrajna w stosunku do całej populacji.</a:t>
+            </a:r>
+          </a:p>
+          <a:p>
+            <a:pPr marL="0" indent="0">
+              <a:buNone/>
+            </a:pPr>
+            <a:r>
+              <a:rPr lang="pl-PL" sz="1800" dirty="0" smtClean="0"/>
+              <a:t>Wyszła Ci jakaś zależność </a:t>
+            </a:r>
+            <a:r>
+              <a:rPr lang="pl-PL" sz="1800" dirty="0"/>
+              <a:t>(np., że „Y” zależy od „X3</a:t>
+            </a:r>
+            <a:r>
+              <a:rPr lang="pl-PL" sz="1800" dirty="0" smtClean="0"/>
+              <a:t>”, a ich „</a:t>
+            </a:r>
+            <a:r>
+              <a:rPr lang="el-GR" sz="1800" dirty="0"/>
+              <a:t> </a:t>
+            </a:r>
+            <a:r>
+              <a:rPr lang="el-GR" sz="1800" dirty="0" smtClean="0"/>
+              <a:t>β</a:t>
+            </a:r>
+            <a:r>
+              <a:rPr lang="pl-PL" sz="1800" dirty="0" smtClean="0"/>
+              <a:t>” to np. 4,5). </a:t>
+            </a:r>
+          </a:p>
+          <a:p>
+            <a:pPr marL="0" indent="0">
+              <a:buNone/>
+            </a:pPr>
+            <a:r>
+              <a:rPr lang="pl-PL" sz="1800" dirty="0" smtClean="0"/>
+              <a:t>Załóżmy, że to, co myślisz to nieprawda, tzn. że „Y” nie zależy od „X3”. </a:t>
+            </a:r>
+          </a:p>
+          <a:p>
+            <a:pPr marL="0" indent="0">
+              <a:buNone/>
+            </a:pPr>
+            <a:r>
+              <a:rPr lang="pl-PL" sz="1800" dirty="0" smtClean="0"/>
+              <a:t>Zapytasz się: „Ale po co tak zakładać? Przecież „</a:t>
+            </a:r>
+            <a:r>
+              <a:rPr lang="el-GR" sz="1800" dirty="0"/>
+              <a:t> </a:t>
+            </a:r>
+            <a:r>
+              <a:rPr lang="el-GR" sz="1800" dirty="0" smtClean="0"/>
+              <a:t>β</a:t>
+            </a:r>
+            <a:r>
+              <a:rPr lang="pl-PL" sz="1800" dirty="0" smtClean="0"/>
+              <a:t>” jest 4,5! Jest zależność i nara!”</a:t>
+            </a:r>
+          </a:p>
+          <a:p>
+            <a:pPr marL="0" indent="0">
+              <a:buNone/>
+            </a:pPr>
+            <a:r>
+              <a:rPr lang="pl-PL" sz="1800" dirty="0" smtClean="0"/>
+              <a:t>A ja Ci odpowiem: 	„A co jeżeli wylosowałeś akurat skrajną próbkę, a jej skrajność polega na tym, że jest </a:t>
+            </a:r>
+          </a:p>
+          <a:p>
+            <a:pPr marL="0" indent="0">
+              <a:buNone/>
+            </a:pPr>
+            <a:r>
+              <a:rPr lang="pl-PL" sz="1800" dirty="0"/>
+              <a:t>	</a:t>
+            </a:r>
+            <a:r>
+              <a:rPr lang="pl-PL" sz="1800" dirty="0" smtClean="0"/>
+              <a:t>	w niej </a:t>
+            </a:r>
+            <a:r>
+              <a:rPr lang="el-GR" sz="1800" dirty="0" smtClean="0"/>
+              <a:t> β</a:t>
+            </a:r>
+            <a:r>
+              <a:rPr lang="pl-PL" sz="1800" dirty="0" smtClean="0"/>
+              <a:t>==4,5 ?”</a:t>
+            </a:r>
+          </a:p>
+          <a:p>
+            <a:pPr marL="0" indent="0">
+              <a:buNone/>
+            </a:pPr>
+            <a:r>
+              <a:rPr lang="pl-PL" sz="1800" dirty="0" smtClean="0"/>
+              <a:t>P value to prawdopodobieństwo takiej sytuacji.</a:t>
+            </a:r>
+          </a:p>
+          <a:p>
+            <a:pPr marL="0" indent="0">
+              <a:buNone/>
+            </a:pPr>
+            <a:r>
+              <a:rPr lang="pl-PL" sz="1800" dirty="0" smtClean="0"/>
+              <a:t>Zapytasz: jakim cudem można to policzyć?</a:t>
+            </a:r>
+          </a:p>
+          <a:p>
+            <a:pPr marL="0" indent="0">
+              <a:buNone/>
+            </a:pPr>
+            <a:r>
+              <a:rPr lang="pl-PL" sz="1800" dirty="0" smtClean="0"/>
+              <a:t>Ja na to: ano mamy estymatory (które mają swoje rozkłady zależne od założeń (np. założenia, że </a:t>
+            </a:r>
+            <a:r>
+              <a:rPr lang="el-GR" sz="1800" dirty="0" smtClean="0"/>
+              <a:t> β</a:t>
+            </a:r>
+            <a:r>
+              <a:rPr lang="pl-PL" sz="1800" dirty="0" smtClean="0"/>
+              <a:t>==</a:t>
+            </a:r>
+            <a:r>
+              <a:rPr lang="pl-PL" sz="1800" smtClean="0"/>
+              <a:t>0).</a:t>
+            </a:r>
+            <a:endParaRPr lang="pl-PL" sz="1800" dirty="0"/>
+          </a:p>
+          <a:p>
+            <a:endParaRPr lang="pl-PL" sz="1800" dirty="0"/>
+          </a:p>
+        </p:txBody>
+      </p:sp>
+    </p:spTree>
+    <p:extLst>
+      <p:ext uri="{BB962C8B-B14F-4D97-AF65-F5344CB8AC3E}">
+        <p14:creationId xmlns:p14="http://schemas.microsoft.com/office/powerpoint/2010/main" val="3956381593"/>
+      </p:ext>
+    </p:extLst>
+  </p:cSld>
+  <p:clrMapOvr>
+    <a:masterClrMapping/>
+  </p:clrMapOvr>
+</p:sld>
+</file>
+
 <file path=ppt/theme/theme1.xml><?xml version="1.0" encoding="utf-8"?>
 <a:theme xmlns:a="http://schemas.openxmlformats.org/drawingml/2006/main" name="Office Theme">
   <a:themeElements>

--- a/source/math_linreg2/presentation.pptx
+++ b/source/math_linreg2/presentation.pptx
@@ -8,6 +8,7 @@
     <p:sldId id="256" r:id="rId2"/>
     <p:sldId id="257" r:id="rId3"/>
     <p:sldId id="258" r:id="rId4"/>
+    <p:sldId id="259" r:id="rId5"/>
   </p:sldIdLst>
   <p:sldSz cx="12192000" cy="6858000"/>
   <p:notesSz cx="6858000" cy="9144000"/>
@@ -114,6 +115,14 @@
 </p:presentation>
 </file>
 
+<file path=ppt/revisionInfo.xml><?xml version="1.0" encoding="utf-8"?>
+<p1510:revInfo xmlns:a="http://schemas.openxmlformats.org/drawingml/2006/main" xmlns:r="http://schemas.openxmlformats.org/officeDocument/2006/relationships" xmlns:p1510="http://schemas.microsoft.com/office/powerpoint/2015/10/main">
+  <p1510:revLst>
+    <p1510:client id="{03953AC2-BBA7-4247-9E72-2A59BB2F2EAE}" v="557" dt="2020-06-28T15:20:35.135"/>
+  </p1510:revLst>
+</p1510:revInfo>
+</file>
+
 <file path=ppt/slideLayouts/slideLayout1.xml><?xml version="1.0" encoding="utf-8"?>
 <p:sldLayout xmlns:a="http://schemas.openxmlformats.org/drawingml/2006/main" xmlns:r="http://schemas.openxmlformats.org/officeDocument/2006/relationships" xmlns:p="http://schemas.openxmlformats.org/presentationml/2006/main" type="title" preserve="1">
   <p:cSld name="Title Slide">
@@ -156,7 +165,7 @@
           </a:lstStyle>
           <a:p>
             <a:r>
-              <a:rPr lang="en-US" smtClean="0"/>
+              <a:rPr lang="en-US"/>
               <a:t>Click to edit Master title style</a:t>
             </a:r>
             <a:endParaRPr lang="pl-PL"/>
@@ -221,7 +230,7 @@
           </a:lstStyle>
           <a:p>
             <a:r>
-              <a:rPr lang="en-US" smtClean="0"/>
+              <a:rPr lang="en-US"/>
               <a:t>Click to edit Master subtitle style</a:t>
             </a:r>
             <a:endParaRPr lang="pl-PL"/>
@@ -245,7 +254,7 @@
           <a:p>
             <a:fld id="{392C9B3B-BE4C-4AF9-88E6-3D240774DD5C}" type="datetimeFigureOut">
               <a:rPr lang="pl-PL" smtClean="0"/>
-              <a:t>2020-06-19</a:t>
+              <a:t>28.06.2020</a:t>
             </a:fld>
             <a:endParaRPr lang="pl-PL"/>
           </a:p>
@@ -339,7 +348,7 @@
           <a:lstStyle/>
           <a:p>
             <a:r>
-              <a:rPr lang="en-US" smtClean="0"/>
+              <a:rPr lang="en-US"/>
               <a:t>Click to edit Master title style</a:t>
             </a:r>
             <a:endParaRPr lang="pl-PL"/>
@@ -363,35 +372,35 @@
           <a:p>
             <a:pPr lvl="0"/>
             <a:r>
-              <a:rPr lang="en-US" smtClean="0"/>
+              <a:rPr lang="en-US"/>
               <a:t>Click to edit Master text styles</a:t>
             </a:r>
           </a:p>
           <a:p>
             <a:pPr lvl="1"/>
             <a:r>
-              <a:rPr lang="en-US" smtClean="0"/>
+              <a:rPr lang="en-US"/>
               <a:t>Second level</a:t>
             </a:r>
           </a:p>
           <a:p>
             <a:pPr lvl="2"/>
             <a:r>
-              <a:rPr lang="en-US" smtClean="0"/>
+              <a:rPr lang="en-US"/>
               <a:t>Third level</a:t>
             </a:r>
           </a:p>
           <a:p>
             <a:pPr lvl="3"/>
             <a:r>
-              <a:rPr lang="en-US" smtClean="0"/>
+              <a:rPr lang="en-US"/>
               <a:t>Fourth level</a:t>
             </a:r>
           </a:p>
           <a:p>
             <a:pPr lvl="4"/>
             <a:r>
-              <a:rPr lang="en-US" smtClean="0"/>
+              <a:rPr lang="en-US"/>
               <a:t>Fifth level</a:t>
             </a:r>
             <a:endParaRPr lang="pl-PL"/>
@@ -415,7 +424,7 @@
           <a:p>
             <a:fld id="{392C9B3B-BE4C-4AF9-88E6-3D240774DD5C}" type="datetimeFigureOut">
               <a:rPr lang="pl-PL" smtClean="0"/>
-              <a:t>2020-06-19</a:t>
+              <a:t>28.06.2020</a:t>
             </a:fld>
             <a:endParaRPr lang="pl-PL"/>
           </a:p>
@@ -514,7 +523,7 @@
           <a:lstStyle/>
           <a:p>
             <a:r>
-              <a:rPr lang="en-US" smtClean="0"/>
+              <a:rPr lang="en-US"/>
               <a:t>Click to edit Master title style</a:t>
             </a:r>
             <a:endParaRPr lang="pl-PL"/>
@@ -543,35 +552,35 @@
           <a:p>
             <a:pPr lvl="0"/>
             <a:r>
-              <a:rPr lang="en-US" smtClean="0"/>
+              <a:rPr lang="en-US"/>
               <a:t>Click to edit Master text styles</a:t>
             </a:r>
           </a:p>
           <a:p>
             <a:pPr lvl="1"/>
             <a:r>
-              <a:rPr lang="en-US" smtClean="0"/>
+              <a:rPr lang="en-US"/>
               <a:t>Second level</a:t>
             </a:r>
           </a:p>
           <a:p>
             <a:pPr lvl="2"/>
             <a:r>
-              <a:rPr lang="en-US" smtClean="0"/>
+              <a:rPr lang="en-US"/>
               <a:t>Third level</a:t>
             </a:r>
           </a:p>
           <a:p>
             <a:pPr lvl="3"/>
             <a:r>
-              <a:rPr lang="en-US" smtClean="0"/>
+              <a:rPr lang="en-US"/>
               <a:t>Fourth level</a:t>
             </a:r>
           </a:p>
           <a:p>
             <a:pPr lvl="4"/>
             <a:r>
-              <a:rPr lang="en-US" smtClean="0"/>
+              <a:rPr lang="en-US"/>
               <a:t>Fifth level</a:t>
             </a:r>
             <a:endParaRPr lang="pl-PL"/>
@@ -595,7 +604,7 @@
           <a:p>
             <a:fld id="{392C9B3B-BE4C-4AF9-88E6-3D240774DD5C}" type="datetimeFigureOut">
               <a:rPr lang="pl-PL" smtClean="0"/>
-              <a:t>2020-06-19</a:t>
+              <a:t>28.06.2020</a:t>
             </a:fld>
             <a:endParaRPr lang="pl-PL"/>
           </a:p>
@@ -689,7 +698,7 @@
           <a:lstStyle/>
           <a:p>
             <a:r>
-              <a:rPr lang="en-US" smtClean="0"/>
+              <a:rPr lang="en-US"/>
               <a:t>Click to edit Master title style</a:t>
             </a:r>
             <a:endParaRPr lang="pl-PL"/>
@@ -713,35 +722,35 @@
           <a:p>
             <a:pPr lvl="0"/>
             <a:r>
-              <a:rPr lang="en-US" smtClean="0"/>
+              <a:rPr lang="en-US"/>
               <a:t>Click to edit Master text styles</a:t>
             </a:r>
           </a:p>
           <a:p>
             <a:pPr lvl="1"/>
             <a:r>
-              <a:rPr lang="en-US" smtClean="0"/>
+              <a:rPr lang="en-US"/>
               <a:t>Second level</a:t>
             </a:r>
           </a:p>
           <a:p>
             <a:pPr lvl="2"/>
             <a:r>
-              <a:rPr lang="en-US" smtClean="0"/>
+              <a:rPr lang="en-US"/>
               <a:t>Third level</a:t>
             </a:r>
           </a:p>
           <a:p>
             <a:pPr lvl="3"/>
             <a:r>
-              <a:rPr lang="en-US" smtClean="0"/>
+              <a:rPr lang="en-US"/>
               <a:t>Fourth level</a:t>
             </a:r>
           </a:p>
           <a:p>
             <a:pPr lvl="4"/>
             <a:r>
-              <a:rPr lang="en-US" smtClean="0"/>
+              <a:rPr lang="en-US"/>
               <a:t>Fifth level</a:t>
             </a:r>
             <a:endParaRPr lang="pl-PL"/>
@@ -765,7 +774,7 @@
           <a:p>
             <a:fld id="{392C9B3B-BE4C-4AF9-88E6-3D240774DD5C}" type="datetimeFigureOut">
               <a:rPr lang="pl-PL" smtClean="0"/>
-              <a:t>2020-06-19</a:t>
+              <a:t>28.06.2020</a:t>
             </a:fld>
             <a:endParaRPr lang="pl-PL"/>
           </a:p>
@@ -868,7 +877,7 @@
           </a:lstStyle>
           <a:p>
             <a:r>
-              <a:rPr lang="en-US" smtClean="0"/>
+              <a:rPr lang="en-US"/>
               <a:t>Click to edit Master title style</a:t>
             </a:r>
             <a:endParaRPr lang="pl-PL"/>
@@ -988,7 +997,7 @@
           <a:p>
             <a:pPr lvl="0"/>
             <a:r>
-              <a:rPr lang="en-US" smtClean="0"/>
+              <a:rPr lang="en-US"/>
               <a:t>Click to edit Master text styles</a:t>
             </a:r>
           </a:p>
@@ -1011,7 +1020,7 @@
           <a:p>
             <a:fld id="{392C9B3B-BE4C-4AF9-88E6-3D240774DD5C}" type="datetimeFigureOut">
               <a:rPr lang="pl-PL" smtClean="0"/>
-              <a:t>2020-06-19</a:t>
+              <a:t>28.06.2020</a:t>
             </a:fld>
             <a:endParaRPr lang="pl-PL"/>
           </a:p>
@@ -1105,7 +1114,7 @@
           <a:lstStyle/>
           <a:p>
             <a:r>
-              <a:rPr lang="en-US" smtClean="0"/>
+              <a:rPr lang="en-US"/>
               <a:t>Click to edit Master title style</a:t>
             </a:r>
             <a:endParaRPr lang="pl-PL"/>
@@ -1134,35 +1143,35 @@
           <a:p>
             <a:pPr lvl="0"/>
             <a:r>
-              <a:rPr lang="en-US" smtClean="0"/>
+              <a:rPr lang="en-US"/>
               <a:t>Click to edit Master text styles</a:t>
             </a:r>
           </a:p>
           <a:p>
             <a:pPr lvl="1"/>
             <a:r>
-              <a:rPr lang="en-US" smtClean="0"/>
+              <a:rPr lang="en-US"/>
               <a:t>Second level</a:t>
             </a:r>
           </a:p>
           <a:p>
             <a:pPr lvl="2"/>
             <a:r>
-              <a:rPr lang="en-US" smtClean="0"/>
+              <a:rPr lang="en-US"/>
               <a:t>Third level</a:t>
             </a:r>
           </a:p>
           <a:p>
             <a:pPr lvl="3"/>
             <a:r>
-              <a:rPr lang="en-US" smtClean="0"/>
+              <a:rPr lang="en-US"/>
               <a:t>Fourth level</a:t>
             </a:r>
           </a:p>
           <a:p>
             <a:pPr lvl="4"/>
             <a:r>
-              <a:rPr lang="en-US" smtClean="0"/>
+              <a:rPr lang="en-US"/>
               <a:t>Fifth level</a:t>
             </a:r>
             <a:endParaRPr lang="pl-PL"/>
@@ -1191,35 +1200,35 @@
           <a:p>
             <a:pPr lvl="0"/>
             <a:r>
-              <a:rPr lang="en-US" smtClean="0"/>
+              <a:rPr lang="en-US"/>
               <a:t>Click to edit Master text styles</a:t>
             </a:r>
           </a:p>
           <a:p>
             <a:pPr lvl="1"/>
             <a:r>
-              <a:rPr lang="en-US" smtClean="0"/>
+              <a:rPr lang="en-US"/>
               <a:t>Second level</a:t>
             </a:r>
           </a:p>
           <a:p>
             <a:pPr lvl="2"/>
             <a:r>
-              <a:rPr lang="en-US" smtClean="0"/>
+              <a:rPr lang="en-US"/>
               <a:t>Third level</a:t>
             </a:r>
           </a:p>
           <a:p>
             <a:pPr lvl="3"/>
             <a:r>
-              <a:rPr lang="en-US" smtClean="0"/>
+              <a:rPr lang="en-US"/>
               <a:t>Fourth level</a:t>
             </a:r>
           </a:p>
           <a:p>
             <a:pPr lvl="4"/>
             <a:r>
-              <a:rPr lang="en-US" smtClean="0"/>
+              <a:rPr lang="en-US"/>
               <a:t>Fifth level</a:t>
             </a:r>
             <a:endParaRPr lang="pl-PL"/>
@@ -1243,7 +1252,7 @@
           <a:p>
             <a:fld id="{392C9B3B-BE4C-4AF9-88E6-3D240774DD5C}" type="datetimeFigureOut">
               <a:rPr lang="pl-PL" smtClean="0"/>
-              <a:t>2020-06-19</a:t>
+              <a:t>28.06.2020</a:t>
             </a:fld>
             <a:endParaRPr lang="pl-PL"/>
           </a:p>
@@ -1342,7 +1351,7 @@
           <a:lstStyle/>
           <a:p>
             <a:r>
-              <a:rPr lang="en-US" smtClean="0"/>
+              <a:rPr lang="en-US"/>
               <a:t>Click to edit Master title style</a:t>
             </a:r>
             <a:endParaRPr lang="pl-PL"/>
@@ -1408,7 +1417,7 @@
           <a:p>
             <a:pPr lvl="0"/>
             <a:r>
-              <a:rPr lang="en-US" smtClean="0"/>
+              <a:rPr lang="en-US"/>
               <a:t>Click to edit Master text styles</a:t>
             </a:r>
           </a:p>
@@ -1436,35 +1445,35 @@
           <a:p>
             <a:pPr lvl="0"/>
             <a:r>
-              <a:rPr lang="en-US" smtClean="0"/>
+              <a:rPr lang="en-US"/>
               <a:t>Click to edit Master text styles</a:t>
             </a:r>
           </a:p>
           <a:p>
             <a:pPr lvl="1"/>
             <a:r>
-              <a:rPr lang="en-US" smtClean="0"/>
+              <a:rPr lang="en-US"/>
               <a:t>Second level</a:t>
             </a:r>
           </a:p>
           <a:p>
             <a:pPr lvl="2"/>
             <a:r>
-              <a:rPr lang="en-US" smtClean="0"/>
+              <a:rPr lang="en-US"/>
               <a:t>Third level</a:t>
             </a:r>
           </a:p>
           <a:p>
             <a:pPr lvl="3"/>
             <a:r>
-              <a:rPr lang="en-US" smtClean="0"/>
+              <a:rPr lang="en-US"/>
               <a:t>Fourth level</a:t>
             </a:r>
           </a:p>
           <a:p>
             <a:pPr lvl="4"/>
             <a:r>
-              <a:rPr lang="en-US" smtClean="0"/>
+              <a:rPr lang="en-US"/>
               <a:t>Fifth level</a:t>
             </a:r>
             <a:endParaRPr lang="pl-PL"/>
@@ -1530,7 +1539,7 @@
           <a:p>
             <a:pPr lvl="0"/>
             <a:r>
-              <a:rPr lang="en-US" smtClean="0"/>
+              <a:rPr lang="en-US"/>
               <a:t>Click to edit Master text styles</a:t>
             </a:r>
           </a:p>
@@ -1558,35 +1567,35 @@
           <a:p>
             <a:pPr lvl="0"/>
             <a:r>
-              <a:rPr lang="en-US" smtClean="0"/>
+              <a:rPr lang="en-US"/>
               <a:t>Click to edit Master text styles</a:t>
             </a:r>
           </a:p>
           <a:p>
             <a:pPr lvl="1"/>
             <a:r>
-              <a:rPr lang="en-US" smtClean="0"/>
+              <a:rPr lang="en-US"/>
               <a:t>Second level</a:t>
             </a:r>
           </a:p>
           <a:p>
             <a:pPr lvl="2"/>
             <a:r>
-              <a:rPr lang="en-US" smtClean="0"/>
+              <a:rPr lang="en-US"/>
               <a:t>Third level</a:t>
             </a:r>
           </a:p>
           <a:p>
             <a:pPr lvl="3"/>
             <a:r>
-              <a:rPr lang="en-US" smtClean="0"/>
+              <a:rPr lang="en-US"/>
               <a:t>Fourth level</a:t>
             </a:r>
           </a:p>
           <a:p>
             <a:pPr lvl="4"/>
             <a:r>
-              <a:rPr lang="en-US" smtClean="0"/>
+              <a:rPr lang="en-US"/>
               <a:t>Fifth level</a:t>
             </a:r>
             <a:endParaRPr lang="pl-PL"/>
@@ -1610,7 +1619,7 @@
           <a:p>
             <a:fld id="{392C9B3B-BE4C-4AF9-88E6-3D240774DD5C}" type="datetimeFigureOut">
               <a:rPr lang="pl-PL" smtClean="0"/>
-              <a:t>2020-06-19</a:t>
+              <a:t>28.06.2020</a:t>
             </a:fld>
             <a:endParaRPr lang="pl-PL"/>
           </a:p>
@@ -1704,7 +1713,7 @@
           <a:lstStyle/>
           <a:p>
             <a:r>
-              <a:rPr lang="en-US" smtClean="0"/>
+              <a:rPr lang="en-US"/>
               <a:t>Click to edit Master title style</a:t>
             </a:r>
             <a:endParaRPr lang="pl-PL"/>
@@ -1728,7 +1737,7 @@
           <a:p>
             <a:fld id="{392C9B3B-BE4C-4AF9-88E6-3D240774DD5C}" type="datetimeFigureOut">
               <a:rPr lang="pl-PL" smtClean="0"/>
-              <a:t>2020-06-19</a:t>
+              <a:t>28.06.2020</a:t>
             </a:fld>
             <a:endParaRPr lang="pl-PL"/>
           </a:p>
@@ -1823,7 +1832,7 @@
           <a:p>
             <a:fld id="{392C9B3B-BE4C-4AF9-88E6-3D240774DD5C}" type="datetimeFigureOut">
               <a:rPr lang="pl-PL" smtClean="0"/>
-              <a:t>2020-06-19</a:t>
+              <a:t>28.06.2020</a:t>
             </a:fld>
             <a:endParaRPr lang="pl-PL"/>
           </a:p>
@@ -1926,7 +1935,7 @@
           </a:lstStyle>
           <a:p>
             <a:r>
-              <a:rPr lang="en-US" smtClean="0"/>
+              <a:rPr lang="en-US"/>
               <a:t>Click to edit Master title style</a:t>
             </a:r>
             <a:endParaRPr lang="pl-PL"/>
@@ -1983,35 +1992,35 @@
           <a:p>
             <a:pPr lvl="0"/>
             <a:r>
-              <a:rPr lang="en-US" smtClean="0"/>
+              <a:rPr lang="en-US"/>
               <a:t>Click to edit Master text styles</a:t>
             </a:r>
           </a:p>
           <a:p>
             <a:pPr lvl="1"/>
             <a:r>
-              <a:rPr lang="en-US" smtClean="0"/>
+              <a:rPr lang="en-US"/>
               <a:t>Second level</a:t>
             </a:r>
           </a:p>
           <a:p>
             <a:pPr lvl="2"/>
             <a:r>
-              <a:rPr lang="en-US" smtClean="0"/>
+              <a:rPr lang="en-US"/>
               <a:t>Third level</a:t>
             </a:r>
           </a:p>
           <a:p>
             <a:pPr lvl="3"/>
             <a:r>
-              <a:rPr lang="en-US" smtClean="0"/>
+              <a:rPr lang="en-US"/>
               <a:t>Fourth level</a:t>
             </a:r>
           </a:p>
           <a:p>
             <a:pPr lvl="4"/>
             <a:r>
-              <a:rPr lang="en-US" smtClean="0"/>
+              <a:rPr lang="en-US"/>
               <a:t>Fifth level</a:t>
             </a:r>
             <a:endParaRPr lang="pl-PL"/>
@@ -2077,7 +2086,7 @@
           <a:p>
             <a:pPr lvl="0"/>
             <a:r>
-              <a:rPr lang="en-US" smtClean="0"/>
+              <a:rPr lang="en-US"/>
               <a:t>Click to edit Master text styles</a:t>
             </a:r>
           </a:p>
@@ -2100,7 +2109,7 @@
           <a:p>
             <a:fld id="{392C9B3B-BE4C-4AF9-88E6-3D240774DD5C}" type="datetimeFigureOut">
               <a:rPr lang="pl-PL" smtClean="0"/>
-              <a:t>2020-06-19</a:t>
+              <a:t>28.06.2020</a:t>
             </a:fld>
             <a:endParaRPr lang="pl-PL"/>
           </a:p>
@@ -2203,7 +2212,7 @@
           </a:lstStyle>
           <a:p>
             <a:r>
-              <a:rPr lang="en-US" smtClean="0"/>
+              <a:rPr lang="en-US"/>
               <a:t>Click to edit Master title style</a:t>
             </a:r>
             <a:endParaRPr lang="pl-PL"/>
@@ -2330,7 +2339,7 @@
           <a:p>
             <a:pPr lvl="0"/>
             <a:r>
-              <a:rPr lang="en-US" smtClean="0"/>
+              <a:rPr lang="en-US"/>
               <a:t>Click to edit Master text styles</a:t>
             </a:r>
           </a:p>
@@ -2353,7 +2362,7 @@
           <a:p>
             <a:fld id="{392C9B3B-BE4C-4AF9-88E6-3D240774DD5C}" type="datetimeFigureOut">
               <a:rPr lang="pl-PL" smtClean="0"/>
-              <a:t>2020-06-19</a:t>
+              <a:t>28.06.2020</a:t>
             </a:fld>
             <a:endParaRPr lang="pl-PL"/>
           </a:p>
@@ -2462,7 +2471,7 @@
           <a:lstStyle/>
           <a:p>
             <a:r>
-              <a:rPr lang="en-US" smtClean="0"/>
+              <a:rPr lang="en-US"/>
               <a:t>Click to edit Master title style</a:t>
             </a:r>
             <a:endParaRPr lang="pl-PL"/>
@@ -2496,35 +2505,35 @@
           <a:p>
             <a:pPr lvl="0"/>
             <a:r>
-              <a:rPr lang="en-US" smtClean="0"/>
+              <a:rPr lang="en-US"/>
               <a:t>Click to edit Master text styles</a:t>
             </a:r>
           </a:p>
           <a:p>
             <a:pPr lvl="1"/>
             <a:r>
-              <a:rPr lang="en-US" smtClean="0"/>
+              <a:rPr lang="en-US"/>
               <a:t>Second level</a:t>
             </a:r>
           </a:p>
           <a:p>
             <a:pPr lvl="2"/>
             <a:r>
-              <a:rPr lang="en-US" smtClean="0"/>
+              <a:rPr lang="en-US"/>
               <a:t>Third level</a:t>
             </a:r>
           </a:p>
           <a:p>
             <a:pPr lvl="3"/>
             <a:r>
-              <a:rPr lang="en-US" smtClean="0"/>
+              <a:rPr lang="en-US"/>
               <a:t>Fourth level</a:t>
             </a:r>
           </a:p>
           <a:p>
             <a:pPr lvl="4"/>
             <a:r>
-              <a:rPr lang="en-US" smtClean="0"/>
+              <a:rPr lang="en-US"/>
               <a:t>Fifth level</a:t>
             </a:r>
             <a:endParaRPr lang="pl-PL"/>
@@ -2566,7 +2575,7 @@
           <a:p>
             <a:fld id="{392C9B3B-BE4C-4AF9-88E6-3D240774DD5C}" type="datetimeFigureOut">
               <a:rPr lang="pl-PL" smtClean="0"/>
-              <a:t>2020-06-19</a:t>
+              <a:t>28.06.2020</a:t>
             </a:fld>
             <a:endParaRPr lang="pl-PL"/>
           </a:p>
@@ -2994,11 +3003,11 @@
           <a:lstStyle/>
           <a:p>
             <a:r>
-              <a:rPr lang="pl-PL" sz="2800" dirty="0" smtClean="0"/>
+              <a:rPr lang="pl-PL" sz="2800" dirty="0"/>
               <a:t>Independence / uncorrelation within LinReg Model</a:t>
             </a:r>
             <a:br>
-              <a:rPr lang="pl-PL" sz="2800" dirty="0" smtClean="0"/>
+              <a:rPr lang="pl-PL" sz="2800" dirty="0"/>
             </a:br>
             <a:endParaRPr lang="pl-PL" sz="2800" dirty="0"/>
           </a:p>
@@ -3029,8 +3038,20 @@
                 <a:tableStyleId>{5C22544A-7EE6-4342-B048-85BDC9FD1C3A}</a:tableStyleId>
               </a:tblPr>
               <a:tblGrid>
-                <a:gridCol w="4064000"/>
-                <a:gridCol w="4064000"/>
+                <a:gridCol w="4064000">
+                  <a:extLst>
+                    <a:ext uri="{9D8B030D-6E8A-4147-A177-3AD203B41FA5}">
+                      <a16:colId xmlns:a16="http://schemas.microsoft.com/office/drawing/2014/main" val="20000"/>
+                    </a:ext>
+                  </a:extLst>
+                </a:gridCol>
+                <a:gridCol w="4064000">
+                  <a:extLst>
+                    <a:ext uri="{9D8B030D-6E8A-4147-A177-3AD203B41FA5}">
+                      <a16:colId xmlns:a16="http://schemas.microsoft.com/office/drawing/2014/main" val="20001"/>
+                    </a:ext>
+                  </a:extLst>
+                </a:gridCol>
               </a:tblGrid>
               <a:tr h="370840">
                 <a:tc>
@@ -3039,7 +3060,7 @@
                     <a:lstStyle/>
                     <a:p>
                       <a:r>
-                        <a:rPr lang="pl-PL" dirty="0" smtClean="0"/>
+                        <a:rPr lang="pl-PL" dirty="0"/>
                         <a:t>Pair</a:t>
                       </a:r>
                     </a:p>
@@ -3056,6 +3077,11 @@
                   </a:txBody>
                   <a:tcPr/>
                 </a:tc>
+                <a:extLst>
+                  <a:ext uri="{0D108BD9-81ED-4DB2-BD59-A6C34878D82A}">
+                    <a16:rowId xmlns:a16="http://schemas.microsoft.com/office/drawing/2014/main" val="10000"/>
+                  </a:ext>
+                </a:extLst>
               </a:tr>
               <a:tr h="370840">
                 <a:tc>
@@ -3064,7 +3090,7 @@
                     <a:lstStyle/>
                     <a:p>
                       <a:r>
-                        <a:rPr lang="pl-PL" sz="1800" b="0" i="0" u="none" strike="noStrike" kern="1200" dirty="0" smtClean="0">
+                        <a:rPr lang="pl-PL" sz="1800" b="0" i="0" u="none" strike="noStrike" kern="1200" dirty="0">
                           <a:solidFill>
                             <a:schemeClr val="dk1"/>
                           </a:solidFill>
@@ -3076,7 +3102,7 @@
                         <a:t>E_i,</a:t>
                       </a:r>
                       <a:r>
-                        <a:rPr lang="pl-PL" sz="1800" b="0" i="0" u="none" strike="noStrike" kern="1200" baseline="0" dirty="0" smtClean="0">
+                        <a:rPr lang="pl-PL" sz="1800" b="0" i="0" u="none" strike="noStrike" kern="1200" baseline="0" dirty="0">
                           <a:solidFill>
                             <a:schemeClr val="dk1"/>
                           </a:solidFill>
@@ -3098,14 +3124,18 @@
                     <a:lstStyle/>
                     <a:p>
                       <a:r>
-                        <a:rPr lang="pl-PL" dirty="0" smtClean="0"/>
+                        <a:rPr lang="pl-PL" dirty="0"/>
                         <a:t>uncorrelated</a:t>
                       </a:r>
-                      <a:endParaRPr lang="pl-PL" dirty="0"/>
                     </a:p>
                   </a:txBody>
                   <a:tcPr/>
                 </a:tc>
+                <a:extLst>
+                  <a:ext uri="{0D108BD9-81ED-4DB2-BD59-A6C34878D82A}">
+                    <a16:rowId xmlns:a16="http://schemas.microsoft.com/office/drawing/2014/main" val="10001"/>
+                  </a:ext>
+                </a:extLst>
               </a:tr>
               <a:tr h="370840">
                 <a:tc>
@@ -3114,10 +3144,9 @@
                     <a:lstStyle/>
                     <a:p>
                       <a:r>
-                        <a:rPr lang="pl-PL" dirty="0" smtClean="0"/>
+                        <a:rPr lang="pl-PL" dirty="0"/>
                         <a:t>E_i, E_j</a:t>
                       </a:r>
-                      <a:endParaRPr lang="pl-PL" dirty="0"/>
                     </a:p>
                   </a:txBody>
                   <a:tcPr/>
@@ -3128,14 +3157,18 @@
                     <a:lstStyle/>
                     <a:p>
                       <a:r>
-                        <a:rPr lang="pl-PL" dirty="0" smtClean="0"/>
+                        <a:rPr lang="pl-PL" dirty="0"/>
                         <a:t>uncorellated</a:t>
                       </a:r>
-                      <a:endParaRPr lang="pl-PL" dirty="0"/>
                     </a:p>
                   </a:txBody>
                   <a:tcPr/>
                 </a:tc>
+                <a:extLst>
+                  <a:ext uri="{0D108BD9-81ED-4DB2-BD59-A6C34878D82A}">
+                    <a16:rowId xmlns:a16="http://schemas.microsoft.com/office/drawing/2014/main" val="10002"/>
+                  </a:ext>
+                </a:extLst>
               </a:tr>
             </a:tbl>
           </a:graphicData>
@@ -3164,26 +3197,25 @@
           <a:lstStyle/>
           <a:p>
             <a:r>
-              <a:rPr lang="pl-PL" dirty="0" smtClean="0"/>
+              <a:rPr lang="pl-PL" dirty="0"/>
               <a:t>Notes:</a:t>
             </a:r>
           </a:p>
           <a:p>
             <a:r>
-              <a:rPr lang="pl-PL" dirty="0" smtClean="0"/>
+              <a:rPr lang="pl-PL" dirty="0"/>
               <a:t>Cov(A,B) =&gt; uncorrelated, </a:t>
             </a:r>
             <a:r>
-              <a:rPr lang="pl-PL" strike="sngStrike" dirty="0" smtClean="0"/>
+              <a:rPr lang="pl-PL" strike="sngStrike" dirty="0"/>
               <a:t>independent</a:t>
             </a:r>
           </a:p>
           <a:p>
             <a:r>
-              <a:rPr lang="pl-PL" dirty="0" smtClean="0"/>
+              <a:rPr lang="pl-PL" dirty="0"/>
               <a:t>Covariance matrix != Correlation Matrix</a:t>
             </a:r>
-            <a:endParaRPr lang="pl-PL" dirty="0"/>
           </a:p>
         </p:txBody>
       </p:sp>
@@ -3233,10 +3265,9 @@
           <a:lstStyle/>
           <a:p>
             <a:r>
-              <a:rPr lang="pl-PL" dirty="0" smtClean="0"/>
+              <a:rPr lang="pl-PL" dirty="0"/>
               <a:t>Estimators</a:t>
             </a:r>
-            <a:endParaRPr lang="pl-PL" dirty="0"/>
           </a:p>
         </p:txBody>
       </p:sp>
@@ -3260,7 +3291,7 @@
               <a:buChar char="-"/>
             </a:pPr>
             <a:r>
-              <a:rPr lang="pl-PL" dirty="0" smtClean="0"/>
+              <a:rPr lang="pl-PL" dirty="0"/>
               <a:t>estimators are random variables (because they are function of sample elements, which all are random variables &lt;assuming outcome is a sample, not a observation&gt;)</a:t>
             </a:r>
           </a:p>
@@ -3270,7 +3301,7 @@
               <a:buChar char="-"/>
             </a:pPr>
             <a:r>
-              <a:rPr lang="pl-PL" dirty="0" smtClean="0"/>
+              <a:rPr lang="pl-PL" dirty="0"/>
               <a:t>examples:</a:t>
             </a:r>
           </a:p>
@@ -3279,7 +3310,7 @@
               <a:buNone/>
             </a:pPr>
             <a:r>
-              <a:rPr lang="pl-PL" sz="1800" dirty="0" smtClean="0"/>
+              <a:rPr lang="pl-PL" sz="1800" dirty="0"/>
               <a:t>	1. sample mean (simple formula)</a:t>
             </a:r>
           </a:p>
@@ -3288,7 +3319,7 @@
               <a:buNone/>
             </a:pPr>
             <a:r>
-              <a:rPr lang="pl-PL" sz="1800" dirty="0" smtClean="0"/>
+              <a:rPr lang="pl-PL" sz="1800" dirty="0"/>
               <a:t>	2. maximum lihelihood estimator (could be complicated &lt;e.q. for a linreg&gt;)</a:t>
             </a:r>
           </a:p>
@@ -3297,10 +3328,9 @@
               <a:buNone/>
             </a:pPr>
             <a:r>
-              <a:rPr lang="pl-PL" dirty="0" smtClean="0"/>
+              <a:rPr lang="pl-PL" dirty="0"/>
               <a:t>- they can be unbiased (good) and consistent (excelent)</a:t>
             </a:r>
-            <a:endParaRPr lang="pl-PL" dirty="0"/>
           </a:p>
         </p:txBody>
       </p:sp>
@@ -3350,10 +3380,9 @@
           <a:lstStyle/>
           <a:p>
             <a:r>
-              <a:rPr lang="pl-PL" dirty="0" smtClean="0"/>
+              <a:rPr lang="pl-PL" dirty="0"/>
               <a:t>P value - znaczenie</a:t>
             </a:r>
-            <a:endParaRPr lang="pl-PL" dirty="0"/>
           </a:p>
         </p:txBody>
       </p:sp>
@@ -3378,7 +3407,7 @@
               <a:buNone/>
             </a:pPr>
             <a:r>
-              <a:rPr lang="pl-PL" sz="1800" dirty="0" smtClean="0"/>
+              <a:rPr lang="pl-PL" sz="1800" dirty="0"/>
               <a:t>Wylosowałeś do swojego modelowania jakąś próbkę. Nie wiesz, czy ta próbka jest reprezentatywna, czy raczej skrajna w stosunku do całej populacji.</a:t>
             </a:r>
           </a:p>
@@ -3387,27 +3416,15 @@
               <a:buNone/>
             </a:pPr>
             <a:r>
-              <a:rPr lang="pl-PL" sz="1800" dirty="0" smtClean="0"/>
-              <a:t>Wyszła Ci jakaś zależność </a:t>
-            </a:r>
-            <a:r>
               <a:rPr lang="pl-PL" sz="1800" dirty="0"/>
-              <a:t>(np., że „Y” zależy od „X3</a:t>
-            </a:r>
-            <a:r>
-              <a:rPr lang="pl-PL" sz="1800" dirty="0" smtClean="0"/>
-              <a:t>”, a ich „</a:t>
+              <a:t>Wyszła Ci jakaś zależność (np., że „Y” zależy od „X3”, a ich „</a:t>
             </a:r>
             <a:r>
               <a:rPr lang="el-GR" sz="1800" dirty="0"/>
-              <a:t> </a:t>
-            </a:r>
-            <a:r>
-              <a:rPr lang="el-GR" sz="1800" dirty="0" smtClean="0"/>
-              <a:t>β</a:t>
-            </a:r>
-            <a:r>
-              <a:rPr lang="pl-PL" sz="1800" dirty="0" smtClean="0"/>
+              <a:t> β</a:t>
+            </a:r>
+            <a:r>
+              <a:rPr lang="pl-PL" sz="1800" dirty="0"/>
               <a:t>” to np. 4,5). </a:t>
             </a:r>
           </a:p>
@@ -3416,7 +3433,7 @@
               <a:buNone/>
             </a:pPr>
             <a:r>
-              <a:rPr lang="pl-PL" sz="1800" dirty="0" smtClean="0"/>
+              <a:rPr lang="pl-PL" sz="1800" dirty="0"/>
               <a:t>Załóżmy, że to, co myślisz to nieprawda, tzn. że „Y” nie zależy od „X3”. </a:t>
             </a:r>
           </a:p>
@@ -3425,19 +3442,15 @@
               <a:buNone/>
             </a:pPr>
             <a:r>
-              <a:rPr lang="pl-PL" sz="1800" dirty="0" smtClean="0"/>
+              <a:rPr lang="pl-PL" sz="1800" dirty="0"/>
               <a:t>Zapytasz się: „Ale po co tak zakładać? Przecież „</a:t>
             </a:r>
             <a:r>
               <a:rPr lang="el-GR" sz="1800" dirty="0"/>
-              <a:t> </a:t>
-            </a:r>
-            <a:r>
-              <a:rPr lang="el-GR" sz="1800" dirty="0" smtClean="0"/>
-              <a:t>β</a:t>
-            </a:r>
-            <a:r>
-              <a:rPr lang="pl-PL" sz="1800" dirty="0" smtClean="0"/>
+              <a:t> β</a:t>
+            </a:r>
+            <a:r>
+              <a:rPr lang="pl-PL" sz="1800" dirty="0"/>
               <a:t>” jest 4,5! Jest zależność i nara!”</a:t>
             </a:r>
           </a:p>
@@ -3446,7 +3459,7 @@
               <a:buNone/>
             </a:pPr>
             <a:r>
-              <a:rPr lang="pl-PL" sz="1800" dirty="0" smtClean="0"/>
+              <a:rPr lang="pl-PL" sz="1800" dirty="0"/>
               <a:t>A ja Ci odpowiem: 	„A co jeżeli wylosowałeś akurat skrajną próbkę, a jej skrajność polega na tym, że jest </a:t>
             </a:r>
           </a:p>
@@ -3456,18 +3469,14 @@
             </a:pPr>
             <a:r>
               <a:rPr lang="pl-PL" sz="1800" dirty="0"/>
-              <a:t>	</a:t>
-            </a:r>
-            <a:r>
-              <a:rPr lang="pl-PL" sz="1800" dirty="0" smtClean="0"/>
-              <a:t>	w niej </a:t>
-            </a:r>
-            <a:r>
-              <a:rPr lang="el-GR" sz="1800" dirty="0" smtClean="0"/>
+              <a:t>		w niej </a:t>
+            </a:r>
+            <a:r>
+              <a:rPr lang="el-GR" sz="1800" dirty="0"/>
               <a:t> β</a:t>
             </a:r>
             <a:r>
-              <a:rPr lang="pl-PL" sz="1800" dirty="0" smtClean="0"/>
+              <a:rPr lang="pl-PL" sz="1800" dirty="0"/>
               <a:t>==4,5 ?”</a:t>
             </a:r>
           </a:p>
@@ -3476,7 +3485,7 @@
               <a:buNone/>
             </a:pPr>
             <a:r>
-              <a:rPr lang="pl-PL" sz="1800" dirty="0" smtClean="0"/>
+              <a:rPr lang="pl-PL" sz="1800" dirty="0"/>
               <a:t>P value to prawdopodobieństwo takiej sytuacji.</a:t>
             </a:r>
           </a:p>
@@ -3485,7 +3494,7 @@
               <a:buNone/>
             </a:pPr>
             <a:r>
-              <a:rPr lang="pl-PL" sz="1800" dirty="0" smtClean="0"/>
+              <a:rPr lang="pl-PL" sz="1800" dirty="0"/>
               <a:t>Zapytasz: jakim cudem można to policzyć?</a:t>
             </a:r>
           </a:p>
@@ -3494,19 +3503,19 @@
               <a:buNone/>
             </a:pPr>
             <a:r>
-              <a:rPr lang="pl-PL" sz="1800" dirty="0" smtClean="0"/>
+              <a:rPr lang="pl-PL" sz="1800" dirty="0"/>
               <a:t>Ja na to: ano mamy estymatory (które mają swoje rozkłady zależne od założeń (np. założenia, że </a:t>
             </a:r>
             <a:r>
-              <a:rPr lang="el-GR" sz="1800" dirty="0" smtClean="0"/>
+              <a:rPr lang="el-GR" sz="1800" dirty="0"/>
               <a:t> β</a:t>
             </a:r>
             <a:r>
-              <a:rPr lang="pl-PL" sz="1800" dirty="0" smtClean="0"/>
+              <a:rPr lang="pl-PL" sz="1800" dirty="0"/>
               <a:t>==</a:t>
             </a:r>
             <a:r>
-              <a:rPr lang="pl-PL" sz="1800" smtClean="0"/>
+              <a:rPr lang="pl-PL" sz="1800"/>
               <a:t>0).</a:t>
             </a:r>
             <a:endParaRPr lang="pl-PL" sz="1800" dirty="0"/>
@@ -3520,6 +3529,143 @@
     <p:extLst>
       <p:ext uri="{BB962C8B-B14F-4D97-AF65-F5344CB8AC3E}">
         <p14:creationId xmlns:p14="http://schemas.microsoft.com/office/powerpoint/2010/main" val="3956381593"/>
+      </p:ext>
+    </p:extLst>
+  </p:cSld>
+  <p:clrMapOvr>
+    <a:masterClrMapping/>
+  </p:clrMapOvr>
+</p:sld>
+</file>
+
+<file path=ppt/slides/slide4.xml><?xml version="1.0" encoding="utf-8"?>
+<p:sld xmlns:a="http://schemas.openxmlformats.org/drawingml/2006/main" xmlns:r="http://schemas.openxmlformats.org/officeDocument/2006/relationships" xmlns:p="http://schemas.openxmlformats.org/presentationml/2006/main">
+  <p:cSld>
+    <p:spTree>
+      <p:nvGrpSpPr>
+        <p:cNvPr id="1" name=""/>
+        <p:cNvGrpSpPr/>
+        <p:nvPr/>
+      </p:nvGrpSpPr>
+      <p:grpSpPr>
+        <a:xfrm>
+          <a:off x="0" y="0"/>
+          <a:ext cx="0" cy="0"/>
+          <a:chOff x="0" y="0"/>
+          <a:chExt cx="0" cy="0"/>
+        </a:xfrm>
+      </p:grpSpPr>
+      <p:sp>
+        <p:nvSpPr>
+          <p:cNvPr id="2" name="Tytuł 1">
+            <a:extLst>
+              <a:ext uri="{FF2B5EF4-FFF2-40B4-BE49-F238E27FC236}">
+                <a16:creationId xmlns:a16="http://schemas.microsoft.com/office/drawing/2014/main" id="{41171982-93CF-4D43-AAF0-3BADCF6C3B63}"/>
+              </a:ext>
+            </a:extLst>
+          </p:cNvPr>
+          <p:cNvSpPr>
+            <a:spLocks noGrp="1"/>
+          </p:cNvSpPr>
+          <p:nvPr>
+            <p:ph type="title"/>
+          </p:nvPr>
+        </p:nvSpPr>
+        <p:spPr/>
+        <p:txBody>
+          <a:bodyPr/>
+          <a:lstStyle/>
+          <a:p>
+            <a:r>
+              <a:rPr lang="pl-PL" dirty="0">
+                <a:cs typeface="Calibri Light"/>
+              </a:rPr>
+              <a:t>GLM  - znaczenie</a:t>
+            </a:r>
+            <a:endParaRPr lang="pl-PL" dirty="0"/>
+          </a:p>
+        </p:txBody>
+      </p:sp>
+      <p:sp>
+        <p:nvSpPr>
+          <p:cNvPr id="3" name="Symbol zastępczy zawartości 2">
+            <a:extLst>
+              <a:ext uri="{FF2B5EF4-FFF2-40B4-BE49-F238E27FC236}">
+                <a16:creationId xmlns:a16="http://schemas.microsoft.com/office/drawing/2014/main" id="{FECB6A56-6723-4124-8478-8D876A31F596}"/>
+              </a:ext>
+            </a:extLst>
+          </p:cNvPr>
+          <p:cNvSpPr>
+            <a:spLocks noGrp="1"/>
+          </p:cNvSpPr>
+          <p:nvPr>
+            <p:ph idx="1"/>
+          </p:nvPr>
+        </p:nvSpPr>
+        <p:spPr/>
+        <p:txBody>
+          <a:bodyPr vert="horz" lIns="91440" tIns="45720" rIns="91440" bIns="45720" rtlCol="0" anchor="t">
+            <a:normAutofit/>
+          </a:bodyPr>
+          <a:lstStyle/>
+          <a:p>
+            <a:r>
+              <a:rPr lang="pl-PL" dirty="0">
+                <a:cs typeface="Calibri"/>
+              </a:rPr>
+              <a:t>W regresji liniowej zakładamy, że Y wraz z X-em zmienia się liniowo. A co, jeśli czujemy, że zmienia się inaczej, np.. potęgowo? Np. Liczba ludzi na plaży i temperatura. Wtedy już nie mamy regresji liniowej (bo Y=2^X np.). Taki model nazywamy … GLM.</a:t>
+            </a:r>
+          </a:p>
+          <a:p>
+            <a:r>
+              <a:rPr lang="pl-PL" dirty="0">
+                <a:cs typeface="Calibri"/>
+              </a:rPr>
+              <a:t>Można zapytać: g. "</a:t>
+            </a:r>
+            <a:r>
+              <a:rPr lang="pl-PL" dirty="0" err="1">
+                <a:cs typeface="Calibri"/>
+              </a:rPr>
+              <a:t>linear</a:t>
+            </a:r>
+            <a:r>
+              <a:rPr lang="pl-PL" dirty="0">
+                <a:cs typeface="Calibri"/>
+              </a:rPr>
+              <a:t>" m. + Y=2"^"X -&gt; </a:t>
+            </a:r>
+            <a:r>
+              <a:rPr lang="pl-PL" dirty="0" err="1">
+                <a:cs typeface="Calibri"/>
+              </a:rPr>
+              <a:t>compile</a:t>
+            </a:r>
+            <a:r>
+              <a:rPr lang="pl-PL" dirty="0">
+                <a:cs typeface="Calibri"/>
+              </a:rPr>
+              <a:t> error? Otóż nie. Zauważmy, że przed X-em zawsze coś stoi (nawet jak jest samo X, to jest to 1*X). Czyli jakiś czynnik we wzorze zmienia się liniowo z X-em (np. potęga). I to modelujemy liniowo. Stąd "</a:t>
+            </a:r>
+            <a:r>
+              <a:rPr lang="pl-PL" dirty="0" err="1">
+                <a:cs typeface="Calibri"/>
+              </a:rPr>
+              <a:t>linear</a:t>
+            </a:r>
+            <a:r>
+              <a:rPr lang="pl-PL" dirty="0">
+                <a:cs typeface="Calibri"/>
+              </a:rPr>
+              <a:t>".</a:t>
+            </a:r>
+          </a:p>
+        </p:txBody>
+      </p:sp>
+    </p:spTree>
+    <p:extLst>
+      <p:ext uri="{BB962C8B-B14F-4D97-AF65-F5344CB8AC3E}">
+        <p14:creationId xmlns:p14="http://schemas.microsoft.com/office/powerpoint/2010/main" val="1984140412"/>
       </p:ext>
     </p:extLst>
   </p:cSld>
